--- a/output_images/ColorPaletteSearchColor.pptx
+++ b/output_images/ColorPaletteSearchColor.pptx
@@ -7,7 +7,12 @@
   <p:sldIdLst>
     <p:sldId id="256" r:id="rId2"/>
     <p:sldId id="257" r:id="rId3"/>
-    <p:sldId id="258" r:id="rId4"/>
+    <p:sldId id="261" r:id="rId4"/>
+    <p:sldId id="263" r:id="rId5"/>
+    <p:sldId id="262" r:id="rId6"/>
+    <p:sldId id="264" r:id="rId7"/>
+    <p:sldId id="259" r:id="rId8"/>
+    <p:sldId id="260" r:id="rId9"/>
   </p:sldIdLst>
   <p:sldSz cx="12192000" cy="6858000"/>
   <p:notesSz cx="6858000" cy="9144000"/>
@@ -263,7 +268,7 @@
           <a:p>
             <a:fld id="{4052D82F-82D0-4236-91E1-60D0C9B519A5}" type="datetimeFigureOut">
               <a:rPr lang="de-CH" smtClean="0"/>
-              <a:t>04.05.2020</a:t>
+              <a:t>25.06.2020</a:t>
             </a:fld>
             <a:endParaRPr lang="de-CH" dirty="0"/>
           </a:p>
@@ -463,7 +468,7 @@
           <a:p>
             <a:fld id="{4052D82F-82D0-4236-91E1-60D0C9B519A5}" type="datetimeFigureOut">
               <a:rPr lang="de-CH" smtClean="0"/>
-              <a:t>04.05.2020</a:t>
+              <a:t>25.06.2020</a:t>
             </a:fld>
             <a:endParaRPr lang="de-CH" dirty="0"/>
           </a:p>
@@ -673,7 +678,7 @@
           <a:p>
             <a:fld id="{4052D82F-82D0-4236-91E1-60D0C9B519A5}" type="datetimeFigureOut">
               <a:rPr lang="de-CH" smtClean="0"/>
-              <a:t>04.05.2020</a:t>
+              <a:t>25.06.2020</a:t>
             </a:fld>
             <a:endParaRPr lang="de-CH" dirty="0"/>
           </a:p>
@@ -873,7 +878,7 @@
           <a:p>
             <a:fld id="{4052D82F-82D0-4236-91E1-60D0C9B519A5}" type="datetimeFigureOut">
               <a:rPr lang="de-CH" smtClean="0"/>
-              <a:t>04.05.2020</a:t>
+              <a:t>25.06.2020</a:t>
             </a:fld>
             <a:endParaRPr lang="de-CH" dirty="0"/>
           </a:p>
@@ -1149,7 +1154,7 @@
           <a:p>
             <a:fld id="{4052D82F-82D0-4236-91E1-60D0C9B519A5}" type="datetimeFigureOut">
               <a:rPr lang="de-CH" smtClean="0"/>
-              <a:t>04.05.2020</a:t>
+              <a:t>25.06.2020</a:t>
             </a:fld>
             <a:endParaRPr lang="de-CH" dirty="0"/>
           </a:p>
@@ -1417,7 +1422,7 @@
           <a:p>
             <a:fld id="{4052D82F-82D0-4236-91E1-60D0C9B519A5}" type="datetimeFigureOut">
               <a:rPr lang="de-CH" smtClean="0"/>
-              <a:t>04.05.2020</a:t>
+              <a:t>25.06.2020</a:t>
             </a:fld>
             <a:endParaRPr lang="de-CH" dirty="0"/>
           </a:p>
@@ -1832,7 +1837,7 @@
           <a:p>
             <a:fld id="{4052D82F-82D0-4236-91E1-60D0C9B519A5}" type="datetimeFigureOut">
               <a:rPr lang="de-CH" smtClean="0"/>
-              <a:t>04.05.2020</a:t>
+              <a:t>25.06.2020</a:t>
             </a:fld>
             <a:endParaRPr lang="de-CH" dirty="0"/>
           </a:p>
@@ -1974,7 +1979,7 @@
           <a:p>
             <a:fld id="{4052D82F-82D0-4236-91E1-60D0C9B519A5}" type="datetimeFigureOut">
               <a:rPr lang="de-CH" smtClean="0"/>
-              <a:t>04.05.2020</a:t>
+              <a:t>25.06.2020</a:t>
             </a:fld>
             <a:endParaRPr lang="de-CH" dirty="0"/>
           </a:p>
@@ -2087,7 +2092,7 @@
           <a:p>
             <a:fld id="{4052D82F-82D0-4236-91E1-60D0C9B519A5}" type="datetimeFigureOut">
               <a:rPr lang="de-CH" smtClean="0"/>
-              <a:t>04.05.2020</a:t>
+              <a:t>25.06.2020</a:t>
             </a:fld>
             <a:endParaRPr lang="de-CH" dirty="0"/>
           </a:p>
@@ -2400,7 +2405,7 @@
           <a:p>
             <a:fld id="{4052D82F-82D0-4236-91E1-60D0C9B519A5}" type="datetimeFigureOut">
               <a:rPr lang="de-CH" smtClean="0"/>
-              <a:t>04.05.2020</a:t>
+              <a:t>25.06.2020</a:t>
             </a:fld>
             <a:endParaRPr lang="de-CH" dirty="0"/>
           </a:p>
@@ -2689,7 +2694,7 @@
           <a:p>
             <a:fld id="{4052D82F-82D0-4236-91E1-60D0C9B519A5}" type="datetimeFigureOut">
               <a:rPr lang="de-CH" smtClean="0"/>
-              <a:t>04.05.2020</a:t>
+              <a:t>25.06.2020</a:t>
             </a:fld>
             <a:endParaRPr lang="de-CH" dirty="0"/>
           </a:p>
@@ -2932,7 +2937,7 @@
           <a:p>
             <a:fld id="{4052D82F-82D0-4236-91E1-60D0C9B519A5}" type="datetimeFigureOut">
               <a:rPr lang="de-CH" smtClean="0"/>
-              <a:t>04.05.2020</a:t>
+              <a:t>25.06.2020</a:t>
             </a:fld>
             <a:endParaRPr lang="de-CH" dirty="0"/>
           </a:p>
@@ -3674,6 +3679,1746 @@
 <file path=ppt/slides/slide3.xml><?xml version="1.0" encoding="utf-8"?>
 <p:sld xmlns:a="http://schemas.openxmlformats.org/drawingml/2006/main" xmlns:r="http://schemas.openxmlformats.org/officeDocument/2006/relationships" xmlns:p="http://schemas.openxmlformats.org/presentationml/2006/main">
   <p:cSld>
+    <p:spTree>
+      <p:nvGrpSpPr>
+        <p:cNvPr id="1" name=""/>
+        <p:cNvGrpSpPr/>
+        <p:nvPr/>
+      </p:nvGrpSpPr>
+      <p:grpSpPr>
+        <a:xfrm>
+          <a:off x="0" y="0"/>
+          <a:ext cx="0" cy="0"/>
+          <a:chOff x="0" y="0"/>
+          <a:chExt cx="0" cy="0"/>
+        </a:xfrm>
+      </p:grpSpPr>
+      <p:sp>
+        <p:nvSpPr>
+          <p:cNvPr id="2" name="Titel 1">
+            <a:extLst>
+              <a:ext uri="{FF2B5EF4-FFF2-40B4-BE49-F238E27FC236}">
+                <a16:creationId xmlns:a16="http://schemas.microsoft.com/office/drawing/2014/main" id="{A4D1DABF-C6B7-4C08-B55E-68545678387F}"/>
+              </a:ext>
+            </a:extLst>
+          </p:cNvPr>
+          <p:cNvSpPr>
+            <a:spLocks noGrp="1"/>
+          </p:cNvSpPr>
+          <p:nvPr>
+            <p:ph type="title"/>
+          </p:nvPr>
+        </p:nvSpPr>
+        <p:spPr/>
+        <p:txBody>
+          <a:bodyPr/>
+          <a:lstStyle/>
+          <a:p>
+            <a:r>
+              <a:rPr lang="de-CH" dirty="0"/>
+              <a:t>Avocado, </a:t>
+            </a:r>
+            <a:r>
+              <a:rPr lang="de-CH" dirty="0" err="1"/>
+              <a:t>threshold</a:t>
+            </a:r>
+            <a:r>
+              <a:rPr lang="de-CH" dirty="0"/>
+              <a:t> = 1</a:t>
+            </a:r>
+          </a:p>
+        </p:txBody>
+      </p:sp>
+      <p:pic>
+        <p:nvPicPr>
+          <p:cNvPr id="3" name="Grafik 2">
+            <a:extLst>
+              <a:ext uri="{FF2B5EF4-FFF2-40B4-BE49-F238E27FC236}">
+                <a16:creationId xmlns:a16="http://schemas.microsoft.com/office/drawing/2014/main" id="{33F4FE1A-4163-4E11-9101-09597FF219A7}"/>
+              </a:ext>
+            </a:extLst>
+          </p:cNvPr>
+          <p:cNvPicPr>
+            <a:picLocks noChangeAspect="1"/>
+          </p:cNvPicPr>
+          <p:nvPr/>
+        </p:nvPicPr>
+        <p:blipFill rotWithShape="1">
+          <a:blip r:embed="rId2"/>
+          <a:srcRect l="1656" t="6319" r="35898" b="7007"/>
+          <a:stretch/>
+        </p:blipFill>
+        <p:spPr>
+          <a:xfrm>
+            <a:off x="1651379" y="3194050"/>
+            <a:ext cx="1510881" cy="2420366"/>
+          </a:xfrm>
+          <a:prstGeom prst="rect">
+            <a:avLst/>
+          </a:prstGeom>
+        </p:spPr>
+      </p:pic>
+      <p:sp>
+        <p:nvSpPr>
+          <p:cNvPr id="9" name="Textfeld 8">
+            <a:extLst>
+              <a:ext uri="{FF2B5EF4-FFF2-40B4-BE49-F238E27FC236}">
+                <a16:creationId xmlns:a16="http://schemas.microsoft.com/office/drawing/2014/main" id="{E39D6F6E-05A3-4218-AF50-9D6CCF05BECB}"/>
+              </a:ext>
+            </a:extLst>
+          </p:cNvPr>
+          <p:cNvSpPr txBox="1"/>
+          <p:nvPr/>
+        </p:nvSpPr>
+        <p:spPr>
+          <a:xfrm>
+            <a:off x="1611448" y="2651807"/>
+            <a:ext cx="9658904" cy="369332"/>
+          </a:xfrm>
+          <a:prstGeom prst="rect">
+            <a:avLst/>
+          </a:prstGeom>
+          <a:noFill/>
+        </p:spPr>
+        <p:txBody>
+          <a:bodyPr wrap="square" rtlCol="0">
+            <a:spAutoFit/>
+          </a:bodyPr>
+          <a:lstStyle/>
+          <a:p>
+            <a:r>
+              <a:rPr lang="de-CH" b="1" dirty="0"/>
+              <a:t>Gold color             Color palette					        Video image</a:t>
+            </a:r>
+          </a:p>
+        </p:txBody>
+      </p:sp>
+      <p:pic>
+        <p:nvPicPr>
+          <p:cNvPr id="12" name="Grafik 11">
+            <a:extLst>
+              <a:ext uri="{FF2B5EF4-FFF2-40B4-BE49-F238E27FC236}">
+                <a16:creationId xmlns:a16="http://schemas.microsoft.com/office/drawing/2014/main" id="{C859D811-9AF6-4FC0-92D7-5E2CE8FBA232}"/>
+              </a:ext>
+            </a:extLst>
+          </p:cNvPr>
+          <p:cNvPicPr>
+            <a:picLocks noChangeAspect="1"/>
+          </p:cNvPicPr>
+          <p:nvPr/>
+        </p:nvPicPr>
+        <p:blipFill>
+          <a:blip r:embed="rId3">
+            <a:extLst>
+              <a:ext uri="{28A0092B-C50C-407E-A947-70E740481C1C}">
+                <a14:useLocalDpi xmlns:a14="http://schemas.microsoft.com/office/drawing/2010/main" val="0"/>
+              </a:ext>
+            </a:extLst>
+          </a:blip>
+          <a:stretch>
+            <a:fillRect/>
+          </a:stretch>
+        </p:blipFill>
+        <p:spPr>
+          <a:xfrm>
+            <a:off x="9439667" y="3006883"/>
+            <a:ext cx="1328787" cy="996590"/>
+          </a:xfrm>
+          <a:prstGeom prst="rect">
+            <a:avLst/>
+          </a:prstGeom>
+        </p:spPr>
+      </p:pic>
+      <p:pic>
+        <p:nvPicPr>
+          <p:cNvPr id="14" name="Grafik 13">
+            <a:extLst>
+              <a:ext uri="{FF2B5EF4-FFF2-40B4-BE49-F238E27FC236}">
+                <a16:creationId xmlns:a16="http://schemas.microsoft.com/office/drawing/2014/main" id="{7A478909-A7FE-4882-9EE1-3CA2C6BF86F2}"/>
+              </a:ext>
+            </a:extLst>
+          </p:cNvPr>
+          <p:cNvPicPr>
+            <a:picLocks noChangeAspect="1"/>
+          </p:cNvPicPr>
+          <p:nvPr/>
+        </p:nvPicPr>
+        <p:blipFill>
+          <a:blip r:embed="rId4">
+            <a:extLst>
+              <a:ext uri="{28A0092B-C50C-407E-A947-70E740481C1C}">
+                <a14:useLocalDpi xmlns:a14="http://schemas.microsoft.com/office/drawing/2010/main" val="0"/>
+              </a:ext>
+            </a:extLst>
+          </a:blip>
+          <a:stretch>
+            <a:fillRect/>
+          </a:stretch>
+        </p:blipFill>
+        <p:spPr>
+          <a:xfrm>
+            <a:off x="9439667" y="4089368"/>
+            <a:ext cx="1328787" cy="996590"/>
+          </a:xfrm>
+          <a:prstGeom prst="rect">
+            <a:avLst/>
+          </a:prstGeom>
+        </p:spPr>
+      </p:pic>
+      <p:pic>
+        <p:nvPicPr>
+          <p:cNvPr id="16" name="Grafik 15">
+            <a:extLst>
+              <a:ext uri="{FF2B5EF4-FFF2-40B4-BE49-F238E27FC236}">
+                <a16:creationId xmlns:a16="http://schemas.microsoft.com/office/drawing/2014/main" id="{952719FF-175B-481B-A15D-90866B886DD4}"/>
+              </a:ext>
+            </a:extLst>
+          </p:cNvPr>
+          <p:cNvPicPr>
+            <a:picLocks noChangeAspect="1"/>
+          </p:cNvPicPr>
+          <p:nvPr/>
+        </p:nvPicPr>
+        <p:blipFill>
+          <a:blip r:embed="rId5">
+            <a:extLst>
+              <a:ext uri="{28A0092B-C50C-407E-A947-70E740481C1C}">
+                <a14:useLocalDpi xmlns:a14="http://schemas.microsoft.com/office/drawing/2010/main" val="0"/>
+              </a:ext>
+            </a:extLst>
+          </a:blip>
+          <a:stretch>
+            <a:fillRect/>
+          </a:stretch>
+        </p:blipFill>
+        <p:spPr>
+          <a:xfrm>
+            <a:off x="9439667" y="5171854"/>
+            <a:ext cx="1328787" cy="996590"/>
+          </a:xfrm>
+          <a:prstGeom prst="rect">
+            <a:avLst/>
+          </a:prstGeom>
+        </p:spPr>
+      </p:pic>
+      <p:pic>
+        <p:nvPicPr>
+          <p:cNvPr id="18" name="Grafik 17">
+            <a:extLst>
+              <a:ext uri="{FF2B5EF4-FFF2-40B4-BE49-F238E27FC236}">
+                <a16:creationId xmlns:a16="http://schemas.microsoft.com/office/drawing/2014/main" id="{6C1AF332-1CFA-43D6-9701-D077B5E120EF}"/>
+              </a:ext>
+            </a:extLst>
+          </p:cNvPr>
+          <p:cNvPicPr>
+            <a:picLocks noChangeAspect="1"/>
+          </p:cNvPicPr>
+          <p:nvPr/>
+        </p:nvPicPr>
+        <p:blipFill>
+          <a:blip r:embed="rId6"/>
+          <a:stretch>
+            <a:fillRect/>
+          </a:stretch>
+        </p:blipFill>
+        <p:spPr>
+          <a:xfrm>
+            <a:off x="3373755" y="3194049"/>
+            <a:ext cx="5349621" cy="2435065"/>
+          </a:xfrm>
+          <a:prstGeom prst="rect">
+            <a:avLst/>
+          </a:prstGeom>
+        </p:spPr>
+      </p:pic>
+    </p:spTree>
+    <p:extLst>
+      <p:ext uri="{BB962C8B-B14F-4D97-AF65-F5344CB8AC3E}">
+        <p14:creationId xmlns:p14="http://schemas.microsoft.com/office/powerpoint/2010/main" val="2237745324"/>
+      </p:ext>
+    </p:extLst>
+  </p:cSld>
+  <p:clrMapOvr>
+    <a:masterClrMapping/>
+  </p:clrMapOvr>
+</p:sld>
+</file>
+
+<file path=ppt/slides/slide4.xml><?xml version="1.0" encoding="utf-8"?>
+<p:sld xmlns:a="http://schemas.openxmlformats.org/drawingml/2006/main" xmlns:r="http://schemas.openxmlformats.org/officeDocument/2006/relationships" xmlns:p="http://schemas.openxmlformats.org/presentationml/2006/main">
+  <p:cSld>
+    <p:spTree>
+      <p:nvGrpSpPr>
+        <p:cNvPr id="1" name=""/>
+        <p:cNvGrpSpPr/>
+        <p:nvPr/>
+      </p:nvGrpSpPr>
+      <p:grpSpPr>
+        <a:xfrm>
+          <a:off x="0" y="0"/>
+          <a:ext cx="0" cy="0"/>
+          <a:chOff x="0" y="0"/>
+          <a:chExt cx="0" cy="0"/>
+        </a:xfrm>
+      </p:grpSpPr>
+      <p:sp>
+        <p:nvSpPr>
+          <p:cNvPr id="2" name="Titel 1">
+            <a:extLst>
+              <a:ext uri="{FF2B5EF4-FFF2-40B4-BE49-F238E27FC236}">
+                <a16:creationId xmlns:a16="http://schemas.microsoft.com/office/drawing/2014/main" id="{A4D1DABF-C6B7-4C08-B55E-68545678387F}"/>
+              </a:ext>
+            </a:extLst>
+          </p:cNvPr>
+          <p:cNvSpPr>
+            <a:spLocks noGrp="1"/>
+          </p:cNvSpPr>
+          <p:nvPr>
+            <p:ph type="title"/>
+          </p:nvPr>
+        </p:nvSpPr>
+        <p:spPr/>
+        <p:txBody>
+          <a:bodyPr/>
+          <a:lstStyle/>
+          <a:p>
+            <a:r>
+              <a:rPr lang="de-CH" dirty="0"/>
+              <a:t>Avocado, </a:t>
+            </a:r>
+            <a:r>
+              <a:rPr lang="de-CH" dirty="0" err="1"/>
+              <a:t>threshold</a:t>
+            </a:r>
+            <a:r>
+              <a:rPr lang="de-CH" dirty="0"/>
+              <a:t> = 0</a:t>
+            </a:r>
+          </a:p>
+        </p:txBody>
+      </p:sp>
+      <p:pic>
+        <p:nvPicPr>
+          <p:cNvPr id="3" name="Grafik 2">
+            <a:extLst>
+              <a:ext uri="{FF2B5EF4-FFF2-40B4-BE49-F238E27FC236}">
+                <a16:creationId xmlns:a16="http://schemas.microsoft.com/office/drawing/2014/main" id="{33F4FE1A-4163-4E11-9101-09597FF219A7}"/>
+              </a:ext>
+            </a:extLst>
+          </p:cNvPr>
+          <p:cNvPicPr>
+            <a:picLocks noChangeAspect="1"/>
+          </p:cNvPicPr>
+          <p:nvPr/>
+        </p:nvPicPr>
+        <p:blipFill rotWithShape="1">
+          <a:blip r:embed="rId2"/>
+          <a:srcRect l="1656" t="6319" r="35898" b="7007"/>
+          <a:stretch/>
+        </p:blipFill>
+        <p:spPr>
+          <a:xfrm>
+            <a:off x="1651379" y="3194050"/>
+            <a:ext cx="1510881" cy="2420366"/>
+          </a:xfrm>
+          <a:prstGeom prst="rect">
+            <a:avLst/>
+          </a:prstGeom>
+        </p:spPr>
+      </p:pic>
+      <p:sp>
+        <p:nvSpPr>
+          <p:cNvPr id="9" name="Textfeld 8">
+            <a:extLst>
+              <a:ext uri="{FF2B5EF4-FFF2-40B4-BE49-F238E27FC236}">
+                <a16:creationId xmlns:a16="http://schemas.microsoft.com/office/drawing/2014/main" id="{E39D6F6E-05A3-4218-AF50-9D6CCF05BECB}"/>
+              </a:ext>
+            </a:extLst>
+          </p:cNvPr>
+          <p:cNvSpPr txBox="1"/>
+          <p:nvPr/>
+        </p:nvSpPr>
+        <p:spPr>
+          <a:xfrm>
+            <a:off x="1611448" y="2651807"/>
+            <a:ext cx="9658904" cy="369332"/>
+          </a:xfrm>
+          <a:prstGeom prst="rect">
+            <a:avLst/>
+          </a:prstGeom>
+          <a:noFill/>
+        </p:spPr>
+        <p:txBody>
+          <a:bodyPr wrap="square" rtlCol="0">
+            <a:spAutoFit/>
+          </a:bodyPr>
+          <a:lstStyle/>
+          <a:p>
+            <a:r>
+              <a:rPr lang="de-CH" b="1" dirty="0"/>
+              <a:t>Gold color             Color palette					        Video image</a:t>
+            </a:r>
+          </a:p>
+        </p:txBody>
+      </p:sp>
+      <p:pic>
+        <p:nvPicPr>
+          <p:cNvPr id="12" name="Grafik 11">
+            <a:extLst>
+              <a:ext uri="{FF2B5EF4-FFF2-40B4-BE49-F238E27FC236}">
+                <a16:creationId xmlns:a16="http://schemas.microsoft.com/office/drawing/2014/main" id="{C859D811-9AF6-4FC0-92D7-5E2CE8FBA232}"/>
+              </a:ext>
+            </a:extLst>
+          </p:cNvPr>
+          <p:cNvPicPr>
+            <a:picLocks noChangeAspect="1"/>
+          </p:cNvPicPr>
+          <p:nvPr/>
+        </p:nvPicPr>
+        <p:blipFill>
+          <a:blip r:embed="rId3">
+            <a:extLst>
+              <a:ext uri="{28A0092B-C50C-407E-A947-70E740481C1C}">
+                <a14:useLocalDpi xmlns:a14="http://schemas.microsoft.com/office/drawing/2010/main" val="0"/>
+              </a:ext>
+            </a:extLst>
+          </a:blip>
+          <a:stretch>
+            <a:fillRect/>
+          </a:stretch>
+        </p:blipFill>
+        <p:spPr>
+          <a:xfrm>
+            <a:off x="9439667" y="3006883"/>
+            <a:ext cx="1328787" cy="996590"/>
+          </a:xfrm>
+          <a:prstGeom prst="rect">
+            <a:avLst/>
+          </a:prstGeom>
+        </p:spPr>
+      </p:pic>
+      <p:pic>
+        <p:nvPicPr>
+          <p:cNvPr id="14" name="Grafik 13">
+            <a:extLst>
+              <a:ext uri="{FF2B5EF4-FFF2-40B4-BE49-F238E27FC236}">
+                <a16:creationId xmlns:a16="http://schemas.microsoft.com/office/drawing/2014/main" id="{7A478909-A7FE-4882-9EE1-3CA2C6BF86F2}"/>
+              </a:ext>
+            </a:extLst>
+          </p:cNvPr>
+          <p:cNvPicPr>
+            <a:picLocks noChangeAspect="1"/>
+          </p:cNvPicPr>
+          <p:nvPr/>
+        </p:nvPicPr>
+        <p:blipFill>
+          <a:blip r:embed="rId4">
+            <a:extLst>
+              <a:ext uri="{28A0092B-C50C-407E-A947-70E740481C1C}">
+                <a14:useLocalDpi xmlns:a14="http://schemas.microsoft.com/office/drawing/2010/main" val="0"/>
+              </a:ext>
+            </a:extLst>
+          </a:blip>
+          <a:stretch>
+            <a:fillRect/>
+          </a:stretch>
+        </p:blipFill>
+        <p:spPr>
+          <a:xfrm>
+            <a:off x="9439667" y="4089368"/>
+            <a:ext cx="1328787" cy="996590"/>
+          </a:xfrm>
+          <a:prstGeom prst="rect">
+            <a:avLst/>
+          </a:prstGeom>
+        </p:spPr>
+      </p:pic>
+      <p:pic>
+        <p:nvPicPr>
+          <p:cNvPr id="16" name="Grafik 15">
+            <a:extLst>
+              <a:ext uri="{FF2B5EF4-FFF2-40B4-BE49-F238E27FC236}">
+                <a16:creationId xmlns:a16="http://schemas.microsoft.com/office/drawing/2014/main" id="{952719FF-175B-481B-A15D-90866B886DD4}"/>
+              </a:ext>
+            </a:extLst>
+          </p:cNvPr>
+          <p:cNvPicPr>
+            <a:picLocks noChangeAspect="1"/>
+          </p:cNvPicPr>
+          <p:nvPr/>
+        </p:nvPicPr>
+        <p:blipFill>
+          <a:blip r:embed="rId5">
+            <a:extLst>
+              <a:ext uri="{28A0092B-C50C-407E-A947-70E740481C1C}">
+                <a14:useLocalDpi xmlns:a14="http://schemas.microsoft.com/office/drawing/2010/main" val="0"/>
+              </a:ext>
+            </a:extLst>
+          </a:blip>
+          <a:stretch>
+            <a:fillRect/>
+          </a:stretch>
+        </p:blipFill>
+        <p:spPr>
+          <a:xfrm>
+            <a:off x="9439667" y="5171854"/>
+            <a:ext cx="1328787" cy="996590"/>
+          </a:xfrm>
+          <a:prstGeom prst="rect">
+            <a:avLst/>
+          </a:prstGeom>
+        </p:spPr>
+      </p:pic>
+      <p:pic>
+        <p:nvPicPr>
+          <p:cNvPr id="4" name="Grafik 3">
+            <a:extLst>
+              <a:ext uri="{FF2B5EF4-FFF2-40B4-BE49-F238E27FC236}">
+                <a16:creationId xmlns:a16="http://schemas.microsoft.com/office/drawing/2014/main" id="{9D91CC42-DF05-40C8-9DBC-3C2293730936}"/>
+              </a:ext>
+            </a:extLst>
+          </p:cNvPr>
+          <p:cNvPicPr>
+            <a:picLocks noChangeAspect="1"/>
+          </p:cNvPicPr>
+          <p:nvPr/>
+        </p:nvPicPr>
+        <p:blipFill>
+          <a:blip r:embed="rId6"/>
+          <a:stretch>
+            <a:fillRect/>
+          </a:stretch>
+        </p:blipFill>
+        <p:spPr>
+          <a:xfrm>
+            <a:off x="3376011" y="3124216"/>
+            <a:ext cx="5717739" cy="2560033"/>
+          </a:xfrm>
+          <a:prstGeom prst="rect">
+            <a:avLst/>
+          </a:prstGeom>
+        </p:spPr>
+      </p:pic>
+    </p:spTree>
+    <p:extLst>
+      <p:ext uri="{BB962C8B-B14F-4D97-AF65-F5344CB8AC3E}">
+        <p14:creationId xmlns:p14="http://schemas.microsoft.com/office/powerpoint/2010/main" val="3224066788"/>
+      </p:ext>
+    </p:extLst>
+  </p:cSld>
+  <p:clrMapOvr>
+    <a:masterClrMapping/>
+  </p:clrMapOvr>
+</p:sld>
+</file>
+
+<file path=ppt/slides/slide5.xml><?xml version="1.0" encoding="utf-8"?>
+<p:sld xmlns:a="http://schemas.openxmlformats.org/drawingml/2006/main" xmlns:r="http://schemas.openxmlformats.org/officeDocument/2006/relationships" xmlns:p="http://schemas.openxmlformats.org/presentationml/2006/main">
+  <p:cSld>
+    <p:spTree>
+      <p:nvGrpSpPr>
+        <p:cNvPr id="1" name=""/>
+        <p:cNvGrpSpPr/>
+        <p:nvPr/>
+      </p:nvGrpSpPr>
+      <p:grpSpPr>
+        <a:xfrm>
+          <a:off x="0" y="0"/>
+          <a:ext cx="0" cy="0"/>
+          <a:chOff x="0" y="0"/>
+          <a:chExt cx="0" cy="0"/>
+        </a:xfrm>
+      </p:grpSpPr>
+      <p:sp>
+        <p:nvSpPr>
+          <p:cNvPr id="2" name="Titel 1">
+            <a:extLst>
+              <a:ext uri="{FF2B5EF4-FFF2-40B4-BE49-F238E27FC236}">
+                <a16:creationId xmlns:a16="http://schemas.microsoft.com/office/drawing/2014/main" id="{A4D1DABF-C6B7-4C08-B55E-68545678387F}"/>
+              </a:ext>
+            </a:extLst>
+          </p:cNvPr>
+          <p:cNvSpPr>
+            <a:spLocks noGrp="1"/>
+          </p:cNvSpPr>
+          <p:nvPr>
+            <p:ph type="title"/>
+          </p:nvPr>
+        </p:nvSpPr>
+        <p:spPr/>
+        <p:txBody>
+          <a:bodyPr/>
+          <a:lstStyle/>
+          <a:p>
+            <a:r>
+              <a:rPr lang="de-CH" dirty="0"/>
+              <a:t>VIAN: </a:t>
+            </a:r>
+            <a:r>
+              <a:rPr lang="de-CH" dirty="0" err="1"/>
+              <a:t>Mustard</a:t>
+            </a:r>
+            <a:r>
+              <a:rPr lang="de-CH" dirty="0"/>
+              <a:t>, </a:t>
+            </a:r>
+            <a:r>
+              <a:rPr lang="de-CH" dirty="0" err="1"/>
+              <a:t>threshold</a:t>
+            </a:r>
+            <a:r>
+              <a:rPr lang="de-CH" dirty="0"/>
+              <a:t> = 1</a:t>
+            </a:r>
+          </a:p>
+        </p:txBody>
+      </p:sp>
+      <p:sp>
+        <p:nvSpPr>
+          <p:cNvPr id="9" name="Textfeld 8">
+            <a:extLst>
+              <a:ext uri="{FF2B5EF4-FFF2-40B4-BE49-F238E27FC236}">
+                <a16:creationId xmlns:a16="http://schemas.microsoft.com/office/drawing/2014/main" id="{E39D6F6E-05A3-4218-AF50-9D6CCF05BECB}"/>
+              </a:ext>
+            </a:extLst>
+          </p:cNvPr>
+          <p:cNvSpPr txBox="1"/>
+          <p:nvPr/>
+        </p:nvSpPr>
+        <p:spPr>
+          <a:xfrm>
+            <a:off x="1611448" y="2651807"/>
+            <a:ext cx="9658904" cy="369332"/>
+          </a:xfrm>
+          <a:prstGeom prst="rect">
+            <a:avLst/>
+          </a:prstGeom>
+          <a:noFill/>
+        </p:spPr>
+        <p:txBody>
+          <a:bodyPr wrap="square" rtlCol="0">
+            <a:spAutoFit/>
+          </a:bodyPr>
+          <a:lstStyle/>
+          <a:p>
+            <a:r>
+              <a:rPr lang="de-CH" b="1" dirty="0"/>
+              <a:t>Gold color             Color palette					        Video image</a:t>
+            </a:r>
+          </a:p>
+        </p:txBody>
+      </p:sp>
+      <p:pic>
+        <p:nvPicPr>
+          <p:cNvPr id="10" name="Grafik 9">
+            <a:extLst>
+              <a:ext uri="{FF2B5EF4-FFF2-40B4-BE49-F238E27FC236}">
+                <a16:creationId xmlns:a16="http://schemas.microsoft.com/office/drawing/2014/main" id="{2A9837D0-5390-4888-B088-DCB64C8ABAC3}"/>
+              </a:ext>
+            </a:extLst>
+          </p:cNvPr>
+          <p:cNvPicPr>
+            <a:picLocks noChangeAspect="1"/>
+          </p:cNvPicPr>
+          <p:nvPr/>
+        </p:nvPicPr>
+        <p:blipFill>
+          <a:blip r:embed="rId2"/>
+          <a:stretch>
+            <a:fillRect/>
+          </a:stretch>
+        </p:blipFill>
+        <p:spPr>
+          <a:xfrm>
+            <a:off x="1611448" y="3194050"/>
+            <a:ext cx="1317508" cy="2640244"/>
+          </a:xfrm>
+          <a:prstGeom prst="rect">
+            <a:avLst/>
+          </a:prstGeom>
+        </p:spPr>
+      </p:pic>
+      <p:pic>
+        <p:nvPicPr>
+          <p:cNvPr id="11" name="Grafik 10">
+            <a:extLst>
+              <a:ext uri="{FF2B5EF4-FFF2-40B4-BE49-F238E27FC236}">
+                <a16:creationId xmlns:a16="http://schemas.microsoft.com/office/drawing/2014/main" id="{966E6EA8-F44E-450A-9884-736B2F07092E}"/>
+              </a:ext>
+            </a:extLst>
+          </p:cNvPr>
+          <p:cNvPicPr>
+            <a:picLocks noChangeAspect="1"/>
+          </p:cNvPicPr>
+          <p:nvPr/>
+        </p:nvPicPr>
+        <p:blipFill>
+          <a:blip r:embed="rId3"/>
+          <a:stretch>
+            <a:fillRect/>
+          </a:stretch>
+        </p:blipFill>
+        <p:spPr>
+          <a:xfrm>
+            <a:off x="3296616" y="3194050"/>
+            <a:ext cx="5775390" cy="2624256"/>
+          </a:xfrm>
+          <a:prstGeom prst="rect">
+            <a:avLst/>
+          </a:prstGeom>
+        </p:spPr>
+      </p:pic>
+      <p:pic>
+        <p:nvPicPr>
+          <p:cNvPr id="13" name="Grafik 12">
+            <a:extLst>
+              <a:ext uri="{FF2B5EF4-FFF2-40B4-BE49-F238E27FC236}">
+                <a16:creationId xmlns:a16="http://schemas.microsoft.com/office/drawing/2014/main" id="{C3B38354-E256-49A7-A2D6-B2A37071EC34}"/>
+              </a:ext>
+            </a:extLst>
+          </p:cNvPr>
+          <p:cNvPicPr>
+            <a:picLocks noChangeAspect="1"/>
+          </p:cNvPicPr>
+          <p:nvPr/>
+        </p:nvPicPr>
+        <p:blipFill>
+          <a:blip r:embed="rId4">
+            <a:extLst>
+              <a:ext uri="{28A0092B-C50C-407E-A947-70E740481C1C}">
+                <a14:useLocalDpi xmlns:a14="http://schemas.microsoft.com/office/drawing/2010/main" val="0"/>
+              </a:ext>
+            </a:extLst>
+          </a:blip>
+          <a:stretch>
+            <a:fillRect/>
+          </a:stretch>
+        </p:blipFill>
+        <p:spPr>
+          <a:xfrm>
+            <a:off x="9447670" y="3122014"/>
+            <a:ext cx="1322133" cy="991599"/>
+          </a:xfrm>
+          <a:prstGeom prst="rect">
+            <a:avLst/>
+          </a:prstGeom>
+        </p:spPr>
+      </p:pic>
+      <p:pic>
+        <p:nvPicPr>
+          <p:cNvPr id="15" name="Grafik 14">
+            <a:extLst>
+              <a:ext uri="{FF2B5EF4-FFF2-40B4-BE49-F238E27FC236}">
+                <a16:creationId xmlns:a16="http://schemas.microsoft.com/office/drawing/2014/main" id="{7D5432D3-3B00-4676-B1D9-F15A78779CB7}"/>
+              </a:ext>
+            </a:extLst>
+          </p:cNvPr>
+          <p:cNvPicPr>
+            <a:picLocks noChangeAspect="1"/>
+          </p:cNvPicPr>
+          <p:nvPr/>
+        </p:nvPicPr>
+        <p:blipFill>
+          <a:blip r:embed="rId5">
+            <a:extLst>
+              <a:ext uri="{28A0092B-C50C-407E-A947-70E740481C1C}">
+                <a14:useLocalDpi xmlns:a14="http://schemas.microsoft.com/office/drawing/2010/main" val="0"/>
+              </a:ext>
+            </a:extLst>
+          </a:blip>
+          <a:stretch>
+            <a:fillRect/>
+          </a:stretch>
+        </p:blipFill>
+        <p:spPr>
+          <a:xfrm>
+            <a:off x="9447670" y="4250491"/>
+            <a:ext cx="1317508" cy="988131"/>
+          </a:xfrm>
+          <a:prstGeom prst="rect">
+            <a:avLst/>
+          </a:prstGeom>
+        </p:spPr>
+      </p:pic>
+      <p:pic>
+        <p:nvPicPr>
+          <p:cNvPr id="18" name="Grafik 17">
+            <a:extLst>
+              <a:ext uri="{FF2B5EF4-FFF2-40B4-BE49-F238E27FC236}">
+                <a16:creationId xmlns:a16="http://schemas.microsoft.com/office/drawing/2014/main" id="{6A5359ED-E21E-4AA4-A9FF-3EBAA291F567}"/>
+              </a:ext>
+            </a:extLst>
+          </p:cNvPr>
+          <p:cNvPicPr>
+            <a:picLocks noChangeAspect="1"/>
+          </p:cNvPicPr>
+          <p:nvPr/>
+        </p:nvPicPr>
+        <p:blipFill>
+          <a:blip r:embed="rId6">
+            <a:extLst>
+              <a:ext uri="{28A0092B-C50C-407E-A947-70E740481C1C}">
+                <a14:useLocalDpi xmlns:a14="http://schemas.microsoft.com/office/drawing/2010/main" val="0"/>
+              </a:ext>
+            </a:extLst>
+          </a:blip>
+          <a:stretch>
+            <a:fillRect/>
+          </a:stretch>
+        </p:blipFill>
+        <p:spPr>
+          <a:xfrm>
+            <a:off x="9447670" y="5375498"/>
+            <a:ext cx="1317508" cy="988131"/>
+          </a:xfrm>
+          <a:prstGeom prst="rect">
+            <a:avLst/>
+          </a:prstGeom>
+        </p:spPr>
+      </p:pic>
+      <p:sp>
+        <p:nvSpPr>
+          <p:cNvPr id="19" name="Ellipse 18">
+            <a:extLst>
+              <a:ext uri="{FF2B5EF4-FFF2-40B4-BE49-F238E27FC236}">
+                <a16:creationId xmlns:a16="http://schemas.microsoft.com/office/drawing/2014/main" id="{437E8931-8EB0-4333-8721-3CD5BE22DF7A}"/>
+              </a:ext>
+            </a:extLst>
+          </p:cNvPr>
+          <p:cNvSpPr/>
+          <p:nvPr/>
+        </p:nvSpPr>
+        <p:spPr>
+          <a:xfrm>
+            <a:off x="10286012" y="3361099"/>
+            <a:ext cx="479166" cy="135801"/>
+          </a:xfrm>
+          <a:prstGeom prst="ellipse">
+            <a:avLst/>
+          </a:prstGeom>
+          <a:noFill/>
+          <a:ln w="38100">
+            <a:solidFill>
+              <a:srgbClr val="C00000"/>
+            </a:solidFill>
+          </a:ln>
+        </p:spPr>
+        <p:style>
+          <a:lnRef idx="2">
+            <a:schemeClr val="accent1">
+              <a:shade val="50000"/>
+            </a:schemeClr>
+          </a:lnRef>
+          <a:fillRef idx="1">
+            <a:schemeClr val="accent1"/>
+          </a:fillRef>
+          <a:effectRef idx="0">
+            <a:schemeClr val="accent1"/>
+          </a:effectRef>
+          <a:fontRef idx="minor">
+            <a:schemeClr val="lt1"/>
+          </a:fontRef>
+        </p:style>
+        <p:txBody>
+          <a:bodyPr rtlCol="0" anchor="ctr"/>
+          <a:lstStyle/>
+          <a:p>
+            <a:pPr algn="ctr"/>
+            <a:endParaRPr lang="de-CH"/>
+          </a:p>
+        </p:txBody>
+      </p:sp>
+      <p:sp>
+        <p:nvSpPr>
+          <p:cNvPr id="20" name="Ellipse 19">
+            <a:extLst>
+              <a:ext uri="{FF2B5EF4-FFF2-40B4-BE49-F238E27FC236}">
+                <a16:creationId xmlns:a16="http://schemas.microsoft.com/office/drawing/2014/main" id="{6AA25203-0723-4A3C-842D-BC6F51057D35}"/>
+              </a:ext>
+            </a:extLst>
+          </p:cNvPr>
+          <p:cNvSpPr/>
+          <p:nvPr/>
+        </p:nvSpPr>
+        <p:spPr>
+          <a:xfrm>
+            <a:off x="9852272" y="5508261"/>
+            <a:ext cx="322508" cy="407733"/>
+          </a:xfrm>
+          <a:prstGeom prst="ellipse">
+            <a:avLst/>
+          </a:prstGeom>
+          <a:noFill/>
+          <a:ln w="38100">
+            <a:solidFill>
+              <a:srgbClr val="C00000"/>
+            </a:solidFill>
+          </a:ln>
+        </p:spPr>
+        <p:style>
+          <a:lnRef idx="2">
+            <a:schemeClr val="accent1">
+              <a:shade val="50000"/>
+            </a:schemeClr>
+          </a:lnRef>
+          <a:fillRef idx="1">
+            <a:schemeClr val="accent1"/>
+          </a:fillRef>
+          <a:effectRef idx="0">
+            <a:schemeClr val="accent1"/>
+          </a:effectRef>
+          <a:fontRef idx="minor">
+            <a:schemeClr val="lt1"/>
+          </a:fontRef>
+        </p:style>
+        <p:txBody>
+          <a:bodyPr rtlCol="0" anchor="ctr"/>
+          <a:lstStyle/>
+          <a:p>
+            <a:pPr algn="ctr"/>
+            <a:endParaRPr lang="de-CH"/>
+          </a:p>
+        </p:txBody>
+      </p:sp>
+      <p:sp>
+        <p:nvSpPr>
+          <p:cNvPr id="21" name="Ellipse 20">
+            <a:extLst>
+              <a:ext uri="{FF2B5EF4-FFF2-40B4-BE49-F238E27FC236}">
+                <a16:creationId xmlns:a16="http://schemas.microsoft.com/office/drawing/2014/main" id="{2FF23260-BCD1-4F41-AEF8-59E5E0106B4A}"/>
+              </a:ext>
+            </a:extLst>
+          </p:cNvPr>
+          <p:cNvSpPr/>
+          <p:nvPr/>
+        </p:nvSpPr>
+        <p:spPr>
+          <a:xfrm>
+            <a:off x="9439666" y="4587119"/>
+            <a:ext cx="573860" cy="314873"/>
+          </a:xfrm>
+          <a:prstGeom prst="ellipse">
+            <a:avLst/>
+          </a:prstGeom>
+          <a:noFill/>
+          <a:ln w="38100">
+            <a:solidFill>
+              <a:srgbClr val="C00000"/>
+            </a:solidFill>
+          </a:ln>
+        </p:spPr>
+        <p:style>
+          <a:lnRef idx="2">
+            <a:schemeClr val="accent1">
+              <a:shade val="50000"/>
+            </a:schemeClr>
+          </a:lnRef>
+          <a:fillRef idx="1">
+            <a:schemeClr val="accent1"/>
+          </a:fillRef>
+          <a:effectRef idx="0">
+            <a:schemeClr val="accent1"/>
+          </a:effectRef>
+          <a:fontRef idx="minor">
+            <a:schemeClr val="lt1"/>
+          </a:fontRef>
+        </p:style>
+        <p:txBody>
+          <a:bodyPr rtlCol="0" anchor="ctr"/>
+          <a:lstStyle/>
+          <a:p>
+            <a:pPr algn="ctr"/>
+            <a:endParaRPr lang="de-CH"/>
+          </a:p>
+        </p:txBody>
+      </p:sp>
+    </p:spTree>
+    <p:extLst>
+      <p:ext uri="{BB962C8B-B14F-4D97-AF65-F5344CB8AC3E}">
+        <p14:creationId xmlns:p14="http://schemas.microsoft.com/office/powerpoint/2010/main" val="1118035008"/>
+      </p:ext>
+    </p:extLst>
+  </p:cSld>
+  <p:clrMapOvr>
+    <a:masterClrMapping/>
+  </p:clrMapOvr>
+</p:sld>
+</file>
+
+<file path=ppt/slides/slide6.xml><?xml version="1.0" encoding="utf-8"?>
+<p:sld xmlns:a="http://schemas.openxmlformats.org/drawingml/2006/main" xmlns:r="http://schemas.openxmlformats.org/officeDocument/2006/relationships" xmlns:p="http://schemas.openxmlformats.org/presentationml/2006/main">
+  <p:cSld>
+    <p:spTree>
+      <p:nvGrpSpPr>
+        <p:cNvPr id="1" name=""/>
+        <p:cNvGrpSpPr/>
+        <p:nvPr/>
+      </p:nvGrpSpPr>
+      <p:grpSpPr>
+        <a:xfrm>
+          <a:off x="0" y="0"/>
+          <a:ext cx="0" cy="0"/>
+          <a:chOff x="0" y="0"/>
+          <a:chExt cx="0" cy="0"/>
+        </a:xfrm>
+      </p:grpSpPr>
+      <p:sp>
+        <p:nvSpPr>
+          <p:cNvPr id="2" name="Titel 1">
+            <a:extLst>
+              <a:ext uri="{FF2B5EF4-FFF2-40B4-BE49-F238E27FC236}">
+                <a16:creationId xmlns:a16="http://schemas.microsoft.com/office/drawing/2014/main" id="{A4D1DABF-C6B7-4C08-B55E-68545678387F}"/>
+              </a:ext>
+            </a:extLst>
+          </p:cNvPr>
+          <p:cNvSpPr>
+            <a:spLocks noGrp="1"/>
+          </p:cNvSpPr>
+          <p:nvPr>
+            <p:ph type="title"/>
+          </p:nvPr>
+        </p:nvSpPr>
+        <p:spPr/>
+        <p:txBody>
+          <a:bodyPr/>
+          <a:lstStyle/>
+          <a:p>
+            <a:r>
+              <a:rPr lang="de-CH" dirty="0"/>
+              <a:t>VIAN: </a:t>
+            </a:r>
+            <a:r>
+              <a:rPr lang="de-CH" dirty="0" err="1"/>
+              <a:t>Mustard</a:t>
+            </a:r>
+            <a:r>
+              <a:rPr lang="de-CH" dirty="0"/>
+              <a:t>, </a:t>
+            </a:r>
+            <a:r>
+              <a:rPr lang="de-CH" dirty="0" err="1"/>
+              <a:t>threshold</a:t>
+            </a:r>
+            <a:r>
+              <a:rPr lang="de-CH" dirty="0"/>
+              <a:t> = 0 </a:t>
+            </a:r>
+          </a:p>
+        </p:txBody>
+      </p:sp>
+      <p:sp>
+        <p:nvSpPr>
+          <p:cNvPr id="9" name="Textfeld 8">
+            <a:extLst>
+              <a:ext uri="{FF2B5EF4-FFF2-40B4-BE49-F238E27FC236}">
+                <a16:creationId xmlns:a16="http://schemas.microsoft.com/office/drawing/2014/main" id="{E39D6F6E-05A3-4218-AF50-9D6CCF05BECB}"/>
+              </a:ext>
+            </a:extLst>
+          </p:cNvPr>
+          <p:cNvSpPr txBox="1"/>
+          <p:nvPr/>
+        </p:nvSpPr>
+        <p:spPr>
+          <a:xfrm>
+            <a:off x="1611448" y="2651807"/>
+            <a:ext cx="9658904" cy="369332"/>
+          </a:xfrm>
+          <a:prstGeom prst="rect">
+            <a:avLst/>
+          </a:prstGeom>
+          <a:noFill/>
+        </p:spPr>
+        <p:txBody>
+          <a:bodyPr wrap="square" rtlCol="0">
+            <a:spAutoFit/>
+          </a:bodyPr>
+          <a:lstStyle/>
+          <a:p>
+            <a:r>
+              <a:rPr lang="de-CH" b="1" dirty="0"/>
+              <a:t>Gold color             Color palette					        Video image</a:t>
+            </a:r>
+          </a:p>
+        </p:txBody>
+      </p:sp>
+      <p:pic>
+        <p:nvPicPr>
+          <p:cNvPr id="10" name="Grafik 9">
+            <a:extLst>
+              <a:ext uri="{FF2B5EF4-FFF2-40B4-BE49-F238E27FC236}">
+                <a16:creationId xmlns:a16="http://schemas.microsoft.com/office/drawing/2014/main" id="{2A9837D0-5390-4888-B088-DCB64C8ABAC3}"/>
+              </a:ext>
+            </a:extLst>
+          </p:cNvPr>
+          <p:cNvPicPr>
+            <a:picLocks noChangeAspect="1"/>
+          </p:cNvPicPr>
+          <p:nvPr/>
+        </p:nvPicPr>
+        <p:blipFill>
+          <a:blip r:embed="rId2"/>
+          <a:stretch>
+            <a:fillRect/>
+          </a:stretch>
+        </p:blipFill>
+        <p:spPr>
+          <a:xfrm>
+            <a:off x="1611448" y="3194050"/>
+            <a:ext cx="1317508" cy="2640244"/>
+          </a:xfrm>
+          <a:prstGeom prst="rect">
+            <a:avLst/>
+          </a:prstGeom>
+        </p:spPr>
+      </p:pic>
+      <p:pic>
+        <p:nvPicPr>
+          <p:cNvPr id="13" name="Grafik 12">
+            <a:extLst>
+              <a:ext uri="{FF2B5EF4-FFF2-40B4-BE49-F238E27FC236}">
+                <a16:creationId xmlns:a16="http://schemas.microsoft.com/office/drawing/2014/main" id="{C3B38354-E256-49A7-A2D6-B2A37071EC34}"/>
+              </a:ext>
+            </a:extLst>
+          </p:cNvPr>
+          <p:cNvPicPr>
+            <a:picLocks noChangeAspect="1"/>
+          </p:cNvPicPr>
+          <p:nvPr/>
+        </p:nvPicPr>
+        <p:blipFill>
+          <a:blip r:embed="rId3">
+            <a:extLst>
+              <a:ext uri="{28A0092B-C50C-407E-A947-70E740481C1C}">
+                <a14:useLocalDpi xmlns:a14="http://schemas.microsoft.com/office/drawing/2010/main" val="0"/>
+              </a:ext>
+            </a:extLst>
+          </a:blip>
+          <a:stretch>
+            <a:fillRect/>
+          </a:stretch>
+        </p:blipFill>
+        <p:spPr>
+          <a:xfrm>
+            <a:off x="9447670" y="3122014"/>
+            <a:ext cx="1322133" cy="991599"/>
+          </a:xfrm>
+          <a:prstGeom prst="rect">
+            <a:avLst/>
+          </a:prstGeom>
+        </p:spPr>
+      </p:pic>
+      <p:pic>
+        <p:nvPicPr>
+          <p:cNvPr id="15" name="Grafik 14">
+            <a:extLst>
+              <a:ext uri="{FF2B5EF4-FFF2-40B4-BE49-F238E27FC236}">
+                <a16:creationId xmlns:a16="http://schemas.microsoft.com/office/drawing/2014/main" id="{7D5432D3-3B00-4676-B1D9-F15A78779CB7}"/>
+              </a:ext>
+            </a:extLst>
+          </p:cNvPr>
+          <p:cNvPicPr>
+            <a:picLocks noChangeAspect="1"/>
+          </p:cNvPicPr>
+          <p:nvPr/>
+        </p:nvPicPr>
+        <p:blipFill>
+          <a:blip r:embed="rId4">
+            <a:extLst>
+              <a:ext uri="{28A0092B-C50C-407E-A947-70E740481C1C}">
+                <a14:useLocalDpi xmlns:a14="http://schemas.microsoft.com/office/drawing/2010/main" val="0"/>
+              </a:ext>
+            </a:extLst>
+          </a:blip>
+          <a:stretch>
+            <a:fillRect/>
+          </a:stretch>
+        </p:blipFill>
+        <p:spPr>
+          <a:xfrm>
+            <a:off x="9447670" y="4250491"/>
+            <a:ext cx="1317508" cy="988131"/>
+          </a:xfrm>
+          <a:prstGeom prst="rect">
+            <a:avLst/>
+          </a:prstGeom>
+        </p:spPr>
+      </p:pic>
+      <p:pic>
+        <p:nvPicPr>
+          <p:cNvPr id="18" name="Grafik 17">
+            <a:extLst>
+              <a:ext uri="{FF2B5EF4-FFF2-40B4-BE49-F238E27FC236}">
+                <a16:creationId xmlns:a16="http://schemas.microsoft.com/office/drawing/2014/main" id="{6A5359ED-E21E-4AA4-A9FF-3EBAA291F567}"/>
+              </a:ext>
+            </a:extLst>
+          </p:cNvPr>
+          <p:cNvPicPr>
+            <a:picLocks noChangeAspect="1"/>
+          </p:cNvPicPr>
+          <p:nvPr/>
+        </p:nvPicPr>
+        <p:blipFill>
+          <a:blip r:embed="rId5">
+            <a:extLst>
+              <a:ext uri="{28A0092B-C50C-407E-A947-70E740481C1C}">
+                <a14:useLocalDpi xmlns:a14="http://schemas.microsoft.com/office/drawing/2010/main" val="0"/>
+              </a:ext>
+            </a:extLst>
+          </a:blip>
+          <a:stretch>
+            <a:fillRect/>
+          </a:stretch>
+        </p:blipFill>
+        <p:spPr>
+          <a:xfrm>
+            <a:off x="9447670" y="5375498"/>
+            <a:ext cx="1317508" cy="988131"/>
+          </a:xfrm>
+          <a:prstGeom prst="rect">
+            <a:avLst/>
+          </a:prstGeom>
+        </p:spPr>
+      </p:pic>
+      <p:sp>
+        <p:nvSpPr>
+          <p:cNvPr id="19" name="Ellipse 18">
+            <a:extLst>
+              <a:ext uri="{FF2B5EF4-FFF2-40B4-BE49-F238E27FC236}">
+                <a16:creationId xmlns:a16="http://schemas.microsoft.com/office/drawing/2014/main" id="{437E8931-8EB0-4333-8721-3CD5BE22DF7A}"/>
+              </a:ext>
+            </a:extLst>
+          </p:cNvPr>
+          <p:cNvSpPr/>
+          <p:nvPr/>
+        </p:nvSpPr>
+        <p:spPr>
+          <a:xfrm>
+            <a:off x="10286012" y="3361099"/>
+            <a:ext cx="479166" cy="135801"/>
+          </a:xfrm>
+          <a:prstGeom prst="ellipse">
+            <a:avLst/>
+          </a:prstGeom>
+          <a:noFill/>
+          <a:ln w="38100">
+            <a:solidFill>
+              <a:srgbClr val="C00000"/>
+            </a:solidFill>
+          </a:ln>
+        </p:spPr>
+        <p:style>
+          <a:lnRef idx="2">
+            <a:schemeClr val="accent1">
+              <a:shade val="50000"/>
+            </a:schemeClr>
+          </a:lnRef>
+          <a:fillRef idx="1">
+            <a:schemeClr val="accent1"/>
+          </a:fillRef>
+          <a:effectRef idx="0">
+            <a:schemeClr val="accent1"/>
+          </a:effectRef>
+          <a:fontRef idx="minor">
+            <a:schemeClr val="lt1"/>
+          </a:fontRef>
+        </p:style>
+        <p:txBody>
+          <a:bodyPr rtlCol="0" anchor="ctr"/>
+          <a:lstStyle/>
+          <a:p>
+            <a:pPr algn="ctr"/>
+            <a:endParaRPr lang="de-CH"/>
+          </a:p>
+        </p:txBody>
+      </p:sp>
+      <p:sp>
+        <p:nvSpPr>
+          <p:cNvPr id="20" name="Ellipse 19">
+            <a:extLst>
+              <a:ext uri="{FF2B5EF4-FFF2-40B4-BE49-F238E27FC236}">
+                <a16:creationId xmlns:a16="http://schemas.microsoft.com/office/drawing/2014/main" id="{6AA25203-0723-4A3C-842D-BC6F51057D35}"/>
+              </a:ext>
+            </a:extLst>
+          </p:cNvPr>
+          <p:cNvSpPr/>
+          <p:nvPr/>
+        </p:nvSpPr>
+        <p:spPr>
+          <a:xfrm>
+            <a:off x="9852272" y="5508261"/>
+            <a:ext cx="322508" cy="407733"/>
+          </a:xfrm>
+          <a:prstGeom prst="ellipse">
+            <a:avLst/>
+          </a:prstGeom>
+          <a:noFill/>
+          <a:ln w="38100">
+            <a:solidFill>
+              <a:srgbClr val="C00000"/>
+            </a:solidFill>
+          </a:ln>
+        </p:spPr>
+        <p:style>
+          <a:lnRef idx="2">
+            <a:schemeClr val="accent1">
+              <a:shade val="50000"/>
+            </a:schemeClr>
+          </a:lnRef>
+          <a:fillRef idx="1">
+            <a:schemeClr val="accent1"/>
+          </a:fillRef>
+          <a:effectRef idx="0">
+            <a:schemeClr val="accent1"/>
+          </a:effectRef>
+          <a:fontRef idx="minor">
+            <a:schemeClr val="lt1"/>
+          </a:fontRef>
+        </p:style>
+        <p:txBody>
+          <a:bodyPr rtlCol="0" anchor="ctr"/>
+          <a:lstStyle/>
+          <a:p>
+            <a:pPr algn="ctr"/>
+            <a:endParaRPr lang="de-CH"/>
+          </a:p>
+        </p:txBody>
+      </p:sp>
+      <p:sp>
+        <p:nvSpPr>
+          <p:cNvPr id="21" name="Ellipse 20">
+            <a:extLst>
+              <a:ext uri="{FF2B5EF4-FFF2-40B4-BE49-F238E27FC236}">
+                <a16:creationId xmlns:a16="http://schemas.microsoft.com/office/drawing/2014/main" id="{2FF23260-BCD1-4F41-AEF8-59E5E0106B4A}"/>
+              </a:ext>
+            </a:extLst>
+          </p:cNvPr>
+          <p:cNvSpPr/>
+          <p:nvPr/>
+        </p:nvSpPr>
+        <p:spPr>
+          <a:xfrm>
+            <a:off x="9439666" y="4587119"/>
+            <a:ext cx="573860" cy="314873"/>
+          </a:xfrm>
+          <a:prstGeom prst="ellipse">
+            <a:avLst/>
+          </a:prstGeom>
+          <a:noFill/>
+          <a:ln w="38100">
+            <a:solidFill>
+              <a:srgbClr val="C00000"/>
+            </a:solidFill>
+          </a:ln>
+        </p:spPr>
+        <p:style>
+          <a:lnRef idx="2">
+            <a:schemeClr val="accent1">
+              <a:shade val="50000"/>
+            </a:schemeClr>
+          </a:lnRef>
+          <a:fillRef idx="1">
+            <a:schemeClr val="accent1"/>
+          </a:fillRef>
+          <a:effectRef idx="0">
+            <a:schemeClr val="accent1"/>
+          </a:effectRef>
+          <a:fontRef idx="minor">
+            <a:schemeClr val="lt1"/>
+          </a:fontRef>
+        </p:style>
+        <p:txBody>
+          <a:bodyPr rtlCol="0" anchor="ctr"/>
+          <a:lstStyle/>
+          <a:p>
+            <a:pPr algn="ctr"/>
+            <a:endParaRPr lang="de-CH"/>
+          </a:p>
+        </p:txBody>
+      </p:sp>
+      <p:pic>
+        <p:nvPicPr>
+          <p:cNvPr id="3" name="Grafik 2">
+            <a:extLst>
+              <a:ext uri="{FF2B5EF4-FFF2-40B4-BE49-F238E27FC236}">
+                <a16:creationId xmlns:a16="http://schemas.microsoft.com/office/drawing/2014/main" id="{AFBDA3B2-BF61-489D-8E1E-805E95667ECA}"/>
+              </a:ext>
+            </a:extLst>
+          </p:cNvPr>
+          <p:cNvPicPr>
+            <a:picLocks noChangeAspect="1"/>
+          </p:cNvPicPr>
+          <p:nvPr/>
+        </p:nvPicPr>
+        <p:blipFill>
+          <a:blip r:embed="rId6"/>
+          <a:stretch>
+            <a:fillRect/>
+          </a:stretch>
+        </p:blipFill>
+        <p:spPr>
+          <a:xfrm>
+            <a:off x="3333558" y="3202304"/>
+            <a:ext cx="5854676" cy="2640244"/>
+          </a:xfrm>
+          <a:prstGeom prst="rect">
+            <a:avLst/>
+          </a:prstGeom>
+        </p:spPr>
+      </p:pic>
+    </p:spTree>
+    <p:extLst>
+      <p:ext uri="{BB962C8B-B14F-4D97-AF65-F5344CB8AC3E}">
+        <p14:creationId xmlns:p14="http://schemas.microsoft.com/office/powerpoint/2010/main" val="2248804510"/>
+      </p:ext>
+    </p:extLst>
+  </p:cSld>
+  <p:clrMapOvr>
+    <a:masterClrMapping/>
+  </p:clrMapOvr>
+</p:sld>
+</file>
+
+<file path=ppt/slides/slide7.xml><?xml version="1.0" encoding="utf-8"?>
+<p:sld xmlns:a="http://schemas.openxmlformats.org/drawingml/2006/main" xmlns:r="http://schemas.openxmlformats.org/officeDocument/2006/relationships" xmlns:p="http://schemas.openxmlformats.org/presentationml/2006/main">
+  <p:cSld>
+    <p:bg>
+      <p:bgPr>
+        <a:solidFill>
+          <a:schemeClr val="bg1"/>
+        </a:solidFill>
+        <a:effectLst/>
+      </p:bgPr>
+    </p:bg>
+    <p:spTree>
+      <p:nvGrpSpPr>
+        <p:cNvPr id="1" name=""/>
+        <p:cNvGrpSpPr/>
+        <p:nvPr/>
+      </p:nvGrpSpPr>
+      <p:grpSpPr>
+        <a:xfrm>
+          <a:off x="0" y="0"/>
+          <a:ext cx="0" cy="0"/>
+          <a:chOff x="0" y="0"/>
+          <a:chExt cx="0" cy="0"/>
+        </a:xfrm>
+      </p:grpSpPr>
+      <p:pic>
+        <p:nvPicPr>
+          <p:cNvPr id="3" name="Grafik 2" descr="Ein Bild, das Tisch enthält.&#10;&#10;Automatisch generierte Beschreibung">
+            <a:extLst>
+              <a:ext uri="{FF2B5EF4-FFF2-40B4-BE49-F238E27FC236}">
+                <a16:creationId xmlns:a16="http://schemas.microsoft.com/office/drawing/2014/main" id="{BB2E9921-9BAA-4F7D-8FF1-6290EB537063}"/>
+              </a:ext>
+            </a:extLst>
+          </p:cNvPr>
+          <p:cNvPicPr>
+            <a:picLocks/>
+          </p:cNvPicPr>
+          <p:nvPr/>
+        </p:nvPicPr>
+        <p:blipFill rotWithShape="1">
+          <a:blip r:embed="rId2">
+            <a:extLst>
+              <a:ext uri="{28A0092B-C50C-407E-A947-70E740481C1C}">
+                <a14:useLocalDpi xmlns:a14="http://schemas.microsoft.com/office/drawing/2010/main" val="0"/>
+              </a:ext>
+            </a:extLst>
+          </a:blip>
+          <a:srcRect l="12402" t="24891" r="9959" b="28163"/>
+          <a:stretch/>
+        </p:blipFill>
+        <p:spPr>
+          <a:xfrm>
+            <a:off x="263069" y="4590070"/>
+            <a:ext cx="3600000" cy="720000"/>
+          </a:xfrm>
+          <a:prstGeom prst="rect">
+            <a:avLst/>
+          </a:prstGeom>
+        </p:spPr>
+      </p:pic>
+      <p:pic>
+        <p:nvPicPr>
+          <p:cNvPr id="5" name="Grafik 4" descr="Ein Bild, das Läufer enthält.&#10;&#10;Automatisch generierte Beschreibung">
+            <a:extLst>
+              <a:ext uri="{FF2B5EF4-FFF2-40B4-BE49-F238E27FC236}">
+                <a16:creationId xmlns:a16="http://schemas.microsoft.com/office/drawing/2014/main" id="{05144555-8AC3-4163-A848-59417EE6F394}"/>
+              </a:ext>
+            </a:extLst>
+          </p:cNvPr>
+          <p:cNvPicPr>
+            <a:picLocks/>
+          </p:cNvPicPr>
+          <p:nvPr/>
+        </p:nvPicPr>
+        <p:blipFill rotWithShape="1">
+          <a:blip r:embed="rId3">
+            <a:extLst>
+              <a:ext uri="{28A0092B-C50C-407E-A947-70E740481C1C}">
+                <a14:useLocalDpi xmlns:a14="http://schemas.microsoft.com/office/drawing/2010/main" val="0"/>
+              </a:ext>
+            </a:extLst>
+          </a:blip>
+          <a:srcRect l="17560" t="11735" r="15165" b="13584"/>
+          <a:stretch/>
+        </p:blipFill>
+        <p:spPr>
+          <a:xfrm>
+            <a:off x="263069" y="1592564"/>
+            <a:ext cx="3600000" cy="2880000"/>
+          </a:xfrm>
+          <a:prstGeom prst="rect">
+            <a:avLst/>
+          </a:prstGeom>
+        </p:spPr>
+      </p:pic>
+      <p:pic>
+        <p:nvPicPr>
+          <p:cNvPr id="6" name="Grafik 5">
+            <a:extLst>
+              <a:ext uri="{FF2B5EF4-FFF2-40B4-BE49-F238E27FC236}">
+                <a16:creationId xmlns:a16="http://schemas.microsoft.com/office/drawing/2014/main" id="{7E50617C-2538-4DA5-988E-C23277F88959}"/>
+              </a:ext>
+            </a:extLst>
+          </p:cNvPr>
+          <p:cNvPicPr>
+            <a:picLocks noChangeAspect="1"/>
+          </p:cNvPicPr>
+          <p:nvPr/>
+        </p:nvPicPr>
+        <p:blipFill>
+          <a:blip r:embed="rId4"/>
+          <a:stretch>
+            <a:fillRect/>
+          </a:stretch>
+        </p:blipFill>
+        <p:spPr>
+          <a:xfrm>
+            <a:off x="325215" y="5755349"/>
+            <a:ext cx="6154340" cy="388812"/>
+          </a:xfrm>
+          <a:prstGeom prst="rect">
+            <a:avLst/>
+          </a:prstGeom>
+        </p:spPr>
+      </p:pic>
+      <p:pic>
+        <p:nvPicPr>
+          <p:cNvPr id="8" name="Grafik 7" descr="Ein Bild, das Tisch enthält.&#10;&#10;Automatisch generierte Beschreibung">
+            <a:extLst>
+              <a:ext uri="{FF2B5EF4-FFF2-40B4-BE49-F238E27FC236}">
+                <a16:creationId xmlns:a16="http://schemas.microsoft.com/office/drawing/2014/main" id="{E0195921-2136-47F3-AD3B-55267643ADB1}"/>
+              </a:ext>
+            </a:extLst>
+          </p:cNvPr>
+          <p:cNvPicPr>
+            <a:picLocks/>
+          </p:cNvPicPr>
+          <p:nvPr/>
+        </p:nvPicPr>
+        <p:blipFill rotWithShape="1">
+          <a:blip r:embed="rId5">
+            <a:extLst>
+              <a:ext uri="{28A0092B-C50C-407E-A947-70E740481C1C}">
+                <a14:useLocalDpi xmlns:a14="http://schemas.microsoft.com/office/drawing/2010/main" val="0"/>
+              </a:ext>
+            </a:extLst>
+          </a:blip>
+          <a:srcRect l="12150" t="26974" r="9886" b="26018"/>
+          <a:stretch/>
+        </p:blipFill>
+        <p:spPr>
+          <a:xfrm>
+            <a:off x="4133187" y="4590070"/>
+            <a:ext cx="3600000" cy="720000"/>
+          </a:xfrm>
+          <a:prstGeom prst="rect">
+            <a:avLst/>
+          </a:prstGeom>
+        </p:spPr>
+      </p:pic>
+      <p:pic>
+        <p:nvPicPr>
+          <p:cNvPr id="10" name="Grafik 9" descr="Ein Bild, das Läufer, Tisch enthält.&#10;&#10;Automatisch generierte Beschreibung">
+            <a:extLst>
+              <a:ext uri="{FF2B5EF4-FFF2-40B4-BE49-F238E27FC236}">
+                <a16:creationId xmlns:a16="http://schemas.microsoft.com/office/drawing/2014/main" id="{12CAC6F0-78A1-4ED3-86CF-7583F7A21C19}"/>
+              </a:ext>
+            </a:extLst>
+          </p:cNvPr>
+          <p:cNvPicPr>
+            <a:picLocks/>
+          </p:cNvPicPr>
+          <p:nvPr/>
+        </p:nvPicPr>
+        <p:blipFill rotWithShape="1">
+          <a:blip r:embed="rId6">
+            <a:extLst>
+              <a:ext uri="{28A0092B-C50C-407E-A947-70E740481C1C}">
+                <a14:useLocalDpi xmlns:a14="http://schemas.microsoft.com/office/drawing/2010/main" val="0"/>
+              </a:ext>
+            </a:extLst>
+          </a:blip>
+          <a:srcRect l="17410" t="11986" r="15689" b="13346"/>
+          <a:stretch/>
+        </p:blipFill>
+        <p:spPr>
+          <a:xfrm>
+            <a:off x="4133187" y="1592564"/>
+            <a:ext cx="3600000" cy="2880000"/>
+          </a:xfrm>
+          <a:prstGeom prst="rect">
+            <a:avLst/>
+          </a:prstGeom>
+        </p:spPr>
+      </p:pic>
+      <p:pic>
+        <p:nvPicPr>
+          <p:cNvPr id="11" name="Grafik 10">
+            <a:extLst>
+              <a:ext uri="{FF2B5EF4-FFF2-40B4-BE49-F238E27FC236}">
+                <a16:creationId xmlns:a16="http://schemas.microsoft.com/office/drawing/2014/main" id="{6D3706F8-AA7E-4981-A26D-8C092F12AA83}"/>
+              </a:ext>
+            </a:extLst>
+          </p:cNvPr>
+          <p:cNvPicPr>
+            <a:picLocks noChangeAspect="1"/>
+          </p:cNvPicPr>
+          <p:nvPr/>
+        </p:nvPicPr>
+        <p:blipFill>
+          <a:blip r:embed="rId7"/>
+          <a:stretch>
+            <a:fillRect/>
+          </a:stretch>
+        </p:blipFill>
+        <p:spPr>
+          <a:xfrm>
+            <a:off x="3779849" y="5770688"/>
+            <a:ext cx="6220975" cy="477682"/>
+          </a:xfrm>
+          <a:prstGeom prst="rect">
+            <a:avLst/>
+          </a:prstGeom>
+        </p:spPr>
+      </p:pic>
+      <p:pic>
+        <p:nvPicPr>
+          <p:cNvPr id="9" name="Grafik 8" descr="Ein Bild, das Tisch enthält.&#10;&#10;Automatisch generierte Beschreibung">
+            <a:extLst>
+              <a:ext uri="{FF2B5EF4-FFF2-40B4-BE49-F238E27FC236}">
+                <a16:creationId xmlns:a16="http://schemas.microsoft.com/office/drawing/2014/main" id="{11E86494-8E55-42CA-A869-52E8682E2CBD}"/>
+              </a:ext>
+            </a:extLst>
+          </p:cNvPr>
+          <p:cNvPicPr>
+            <a:picLocks/>
+          </p:cNvPicPr>
+          <p:nvPr/>
+        </p:nvPicPr>
+        <p:blipFill rotWithShape="1">
+          <a:blip r:embed="rId8">
+            <a:extLst>
+              <a:ext uri="{28A0092B-C50C-407E-A947-70E740481C1C}">
+                <a14:useLocalDpi xmlns:a14="http://schemas.microsoft.com/office/drawing/2010/main" val="0"/>
+              </a:ext>
+            </a:extLst>
+          </a:blip>
+          <a:srcRect l="13153" t="26466" r="10544" b="26785"/>
+          <a:stretch/>
+        </p:blipFill>
+        <p:spPr>
+          <a:xfrm>
+            <a:off x="7973712" y="4590070"/>
+            <a:ext cx="3600000" cy="720000"/>
+          </a:xfrm>
+          <a:prstGeom prst="rect">
+            <a:avLst/>
+          </a:prstGeom>
+        </p:spPr>
+      </p:pic>
+      <p:pic>
+        <p:nvPicPr>
+          <p:cNvPr id="12" name="Grafik 11" descr="Ein Bild, das Foto, Mann, stehend, Gruppe enthält.&#10;&#10;Automatisch generierte Beschreibung">
+            <a:extLst>
+              <a:ext uri="{FF2B5EF4-FFF2-40B4-BE49-F238E27FC236}">
+                <a16:creationId xmlns:a16="http://schemas.microsoft.com/office/drawing/2014/main" id="{866F0836-80E1-4454-8202-375B590448ED}"/>
+              </a:ext>
+            </a:extLst>
+          </p:cNvPr>
+          <p:cNvPicPr>
+            <a:picLocks/>
+          </p:cNvPicPr>
+          <p:nvPr/>
+        </p:nvPicPr>
+        <p:blipFill rotWithShape="1">
+          <a:blip r:embed="rId9">
+            <a:extLst>
+              <a:ext uri="{28A0092B-C50C-407E-A947-70E740481C1C}">
+                <a14:useLocalDpi xmlns:a14="http://schemas.microsoft.com/office/drawing/2010/main" val="0"/>
+              </a:ext>
+            </a:extLst>
+          </a:blip>
+          <a:srcRect l="17662" t="12142" r="15103" b="12481"/>
+          <a:stretch/>
+        </p:blipFill>
+        <p:spPr>
+          <a:xfrm>
+            <a:off x="7967793" y="1592564"/>
+            <a:ext cx="3600000" cy="2880000"/>
+          </a:xfrm>
+          <a:prstGeom prst="rect">
+            <a:avLst/>
+          </a:prstGeom>
+        </p:spPr>
+      </p:pic>
+      <p:pic>
+        <p:nvPicPr>
+          <p:cNvPr id="13" name="Grafik 12">
+            <a:extLst>
+              <a:ext uri="{FF2B5EF4-FFF2-40B4-BE49-F238E27FC236}">
+                <a16:creationId xmlns:a16="http://schemas.microsoft.com/office/drawing/2014/main" id="{95F7F76B-6721-4154-A5A3-042A6A973503}"/>
+              </a:ext>
+            </a:extLst>
+          </p:cNvPr>
+          <p:cNvPicPr>
+            <a:picLocks noChangeAspect="1"/>
+          </p:cNvPicPr>
+          <p:nvPr/>
+        </p:nvPicPr>
+        <p:blipFill>
+          <a:blip r:embed="rId10"/>
+          <a:stretch>
+            <a:fillRect/>
+          </a:stretch>
+        </p:blipFill>
+        <p:spPr>
+          <a:xfrm>
+            <a:off x="7910217" y="5681979"/>
+            <a:ext cx="8854489" cy="560840"/>
+          </a:xfrm>
+          <a:prstGeom prst="rect">
+            <a:avLst/>
+          </a:prstGeom>
+        </p:spPr>
+      </p:pic>
+    </p:spTree>
+    <p:extLst>
+      <p:ext uri="{BB962C8B-B14F-4D97-AF65-F5344CB8AC3E}">
+        <p14:creationId xmlns:p14="http://schemas.microsoft.com/office/powerpoint/2010/main" val="2533614582"/>
+      </p:ext>
+    </p:extLst>
+  </p:cSld>
+  <p:clrMapOvr>
+    <a:masterClrMapping/>
+  </p:clrMapOvr>
+</p:sld>
+</file>
+
+<file path=ppt/slides/slide8.xml><?xml version="1.0" encoding="utf-8"?>
+<p:sld xmlns:a="http://schemas.openxmlformats.org/drawingml/2006/main" xmlns:r="http://schemas.openxmlformats.org/officeDocument/2006/relationships" xmlns:p="http://schemas.openxmlformats.org/presentationml/2006/main">
+  <p:cSld>
     <p:bg>
       <p:bgPr>
         <a:solidFill>
@@ -3701,7 +5446,7 @@
           <p:cNvPr id="2" name="Grafik 1">
             <a:extLst>
               <a:ext uri="{FF2B5EF4-FFF2-40B4-BE49-F238E27FC236}">
-                <a16:creationId xmlns:a16="http://schemas.microsoft.com/office/drawing/2014/main" id="{F0659997-C03E-46EA-94A2-1A79ABA8BACC}"/>
+                <a16:creationId xmlns:a16="http://schemas.microsoft.com/office/drawing/2014/main" id="{AD8F67DB-62FC-4D30-B92E-DD9B007C2799}"/>
               </a:ext>
             </a:extLst>
           </p:cNvPr>
@@ -3718,248 +5463,36 @@
         </p:blipFill>
         <p:spPr>
           <a:xfrm>
-            <a:off x="2432032" y="911988"/>
-            <a:ext cx="5804495" cy="2612021"/>
+            <a:off x="3266983" y="333375"/>
+            <a:ext cx="5324475" cy="6191250"/>
           </a:xfrm>
           <a:prstGeom prst="rect">
             <a:avLst/>
           </a:prstGeom>
         </p:spPr>
       </p:pic>
-      <p:pic>
-        <p:nvPicPr>
-          <p:cNvPr id="3" name="Grafik 2">
-            <a:extLst>
-              <a:ext uri="{FF2B5EF4-FFF2-40B4-BE49-F238E27FC236}">
-                <a16:creationId xmlns:a16="http://schemas.microsoft.com/office/drawing/2014/main" id="{AEC8A97F-323E-4DF8-B4DD-1C80DC6F1867}"/>
-              </a:ext>
-            </a:extLst>
-          </p:cNvPr>
-          <p:cNvPicPr>
-            <a:picLocks noChangeAspect="1"/>
-          </p:cNvPicPr>
+      <p:sp>
+        <p:nvSpPr>
+          <p:cNvPr id="3" name="Rechteck 2">
+            <a:extLst>
+              <a:ext uri="{FF2B5EF4-FFF2-40B4-BE49-F238E27FC236}">
+                <a16:creationId xmlns:a16="http://schemas.microsoft.com/office/drawing/2014/main" id="{FBED209B-B5A5-4041-83BB-DF81227E9E28}"/>
+              </a:ext>
+            </a:extLst>
+          </p:cNvPr>
+          <p:cNvSpPr/>
           <p:nvPr/>
-        </p:nvPicPr>
-        <p:blipFill>
-          <a:blip r:embed="rId3"/>
-          <a:stretch>
-            <a:fillRect/>
-          </a:stretch>
-        </p:blipFill>
-        <p:spPr>
-          <a:xfrm>
-            <a:off x="2427447" y="3949668"/>
-            <a:ext cx="5481990" cy="2466893"/>
-          </a:xfrm>
-          <a:prstGeom prst="rect">
-            <a:avLst/>
-          </a:prstGeom>
-        </p:spPr>
-      </p:pic>
-      <p:pic>
-        <p:nvPicPr>
-          <p:cNvPr id="5" name="Grafik 4" descr="Ein Bild, das Person, Mann, Anzug, haltend enthält.&#10;&#10;Automatisch generierte Beschreibung">
-            <a:extLst>
-              <a:ext uri="{FF2B5EF4-FFF2-40B4-BE49-F238E27FC236}">
-                <a16:creationId xmlns:a16="http://schemas.microsoft.com/office/drawing/2014/main" id="{DE0D7567-5B37-4B41-8EE0-255C0F6A6E5B}"/>
-              </a:ext>
-            </a:extLst>
-          </p:cNvPr>
-          <p:cNvPicPr>
-            <a:picLocks noChangeAspect="1"/>
-          </p:cNvPicPr>
-          <p:nvPr/>
-        </p:nvPicPr>
-        <p:blipFill>
-          <a:blip r:embed="rId4">
-            <a:extLst>
-              <a:ext uri="{28A0092B-C50C-407E-A947-70E740481C1C}">
-                <a14:useLocalDpi xmlns:a14="http://schemas.microsoft.com/office/drawing/2010/main" val="0"/>
-              </a:ext>
-            </a:extLst>
-          </a:blip>
-          <a:stretch>
-            <a:fillRect/>
-          </a:stretch>
-        </p:blipFill>
-        <p:spPr>
-          <a:xfrm>
-            <a:off x="8549534" y="1242199"/>
-            <a:ext cx="2605862" cy="1465797"/>
-          </a:xfrm>
-          <a:prstGeom prst="rect">
-            <a:avLst/>
-          </a:prstGeom>
-        </p:spPr>
-      </p:pic>
-      <p:pic>
-        <p:nvPicPr>
-          <p:cNvPr id="7" name="Grafik 6" descr="Ein Bild, das Frau, stehend, Raum, Tisch enthält.&#10;&#10;Automatisch generierte Beschreibung">
-            <a:extLst>
-              <a:ext uri="{FF2B5EF4-FFF2-40B4-BE49-F238E27FC236}">
-                <a16:creationId xmlns:a16="http://schemas.microsoft.com/office/drawing/2014/main" id="{35D646D7-6A07-4287-9F84-537E835F8C2E}"/>
-              </a:ext>
-            </a:extLst>
-          </p:cNvPr>
-          <p:cNvPicPr>
-            <a:picLocks noChangeAspect="1"/>
-          </p:cNvPicPr>
-          <p:nvPr/>
-        </p:nvPicPr>
-        <p:blipFill>
-          <a:blip r:embed="rId5">
-            <a:extLst>
-              <a:ext uri="{28A0092B-C50C-407E-A947-70E740481C1C}">
-                <a14:useLocalDpi xmlns:a14="http://schemas.microsoft.com/office/drawing/2010/main" val="0"/>
-              </a:ext>
-            </a:extLst>
-          </a:blip>
-          <a:stretch>
-            <a:fillRect/>
-          </a:stretch>
-        </p:blipFill>
-        <p:spPr>
-          <a:xfrm>
-            <a:off x="8549532" y="3084779"/>
-            <a:ext cx="2605862" cy="1465797"/>
-          </a:xfrm>
-          <a:prstGeom prst="rect">
-            <a:avLst/>
-          </a:prstGeom>
-        </p:spPr>
-      </p:pic>
-      <p:pic>
-        <p:nvPicPr>
-          <p:cNvPr id="9" name="Grafik 8" descr="Ein Bild, das Anzug enthält.&#10;&#10;Automatisch generierte Beschreibung">
-            <a:extLst>
-              <a:ext uri="{FF2B5EF4-FFF2-40B4-BE49-F238E27FC236}">
-                <a16:creationId xmlns:a16="http://schemas.microsoft.com/office/drawing/2014/main" id="{7B756A41-C371-4D8E-A514-B2751EE42575}"/>
-              </a:ext>
-            </a:extLst>
-          </p:cNvPr>
-          <p:cNvPicPr>
-            <a:picLocks noChangeAspect="1"/>
-          </p:cNvPicPr>
-          <p:nvPr/>
-        </p:nvPicPr>
-        <p:blipFill>
-          <a:blip r:embed="rId6">
-            <a:extLst>
-              <a:ext uri="{28A0092B-C50C-407E-A947-70E740481C1C}">
-                <a14:useLocalDpi xmlns:a14="http://schemas.microsoft.com/office/drawing/2010/main" val="0"/>
-              </a:ext>
-            </a:extLst>
-          </a:blip>
-          <a:stretch>
-            <a:fillRect/>
-          </a:stretch>
-        </p:blipFill>
-        <p:spPr>
-          <a:xfrm>
-            <a:off x="8549532" y="4927361"/>
-            <a:ext cx="2605862" cy="1465798"/>
-          </a:xfrm>
-          <a:prstGeom prst="rect">
-            <a:avLst/>
-          </a:prstGeom>
-        </p:spPr>
-      </p:pic>
-      <p:sp>
-        <p:nvSpPr>
-          <p:cNvPr id="10" name="Textfeld 9">
-            <a:extLst>
-              <a:ext uri="{FF2B5EF4-FFF2-40B4-BE49-F238E27FC236}">
-                <a16:creationId xmlns:a16="http://schemas.microsoft.com/office/drawing/2014/main" id="{90516B02-D73C-47EA-B2B7-E22F538BE0B5}"/>
-              </a:ext>
-            </a:extLst>
-          </p:cNvPr>
-          <p:cNvSpPr txBox="1"/>
-          <p:nvPr/>
-        </p:nvSpPr>
-        <p:spPr>
-          <a:xfrm>
-            <a:off x="2323475" y="475433"/>
-            <a:ext cx="9658904" cy="369332"/>
+        </p:nvSpPr>
+        <p:spPr>
+          <a:xfrm>
+            <a:off x="3266983" y="532660"/>
+            <a:ext cx="3630967" cy="2645546"/>
           </a:xfrm>
           <a:prstGeom prst="rect">
             <a:avLst/>
           </a:prstGeom>
           <a:noFill/>
-        </p:spPr>
-        <p:txBody>
-          <a:bodyPr wrap="square" rtlCol="0">
-            <a:spAutoFit/>
-          </a:bodyPr>
-          <a:lstStyle/>
-          <a:p>
-            <a:r>
-              <a:rPr lang="de-CH" b="1" dirty="0"/>
-              <a:t>Gold color             		              			            Video image</a:t>
-            </a:r>
-          </a:p>
-        </p:txBody>
-      </p:sp>
-      <p:sp>
-        <p:nvSpPr>
-          <p:cNvPr id="11" name="Rechteck 10">
-            <a:extLst>
-              <a:ext uri="{FF2B5EF4-FFF2-40B4-BE49-F238E27FC236}">
-                <a16:creationId xmlns:a16="http://schemas.microsoft.com/office/drawing/2014/main" id="{4259054B-AF24-479F-8785-B33F32F5F996}"/>
-              </a:ext>
-            </a:extLst>
-          </p:cNvPr>
-          <p:cNvSpPr/>
-          <p:nvPr/>
-        </p:nvSpPr>
-        <p:spPr>
-          <a:xfrm>
-            <a:off x="2323475" y="3553277"/>
-            <a:ext cx="1421479" cy="369332"/>
-          </a:xfrm>
-          <a:prstGeom prst="rect">
-            <a:avLst/>
-          </a:prstGeom>
-        </p:spPr>
-        <p:txBody>
-          <a:bodyPr wrap="none">
-            <a:spAutoFit/>
-          </a:bodyPr>
-          <a:lstStyle/>
-          <a:p>
-            <a:r>
-              <a:rPr lang="de-CH" b="1" dirty="0"/>
-              <a:t>Color palette</a:t>
-            </a:r>
-            <a:endParaRPr lang="de-CH" dirty="0"/>
-          </a:p>
-        </p:txBody>
-      </p:sp>
-      <p:sp>
-        <p:nvSpPr>
-          <p:cNvPr id="12" name="Ellipse 11">
-            <a:extLst>
-              <a:ext uri="{FF2B5EF4-FFF2-40B4-BE49-F238E27FC236}">
-                <a16:creationId xmlns:a16="http://schemas.microsoft.com/office/drawing/2014/main" id="{0BB6481F-277A-4AAB-A6D2-10D29E38C754}"/>
-              </a:ext>
-            </a:extLst>
-          </p:cNvPr>
-          <p:cNvSpPr/>
-          <p:nvPr/>
-        </p:nvSpPr>
-        <p:spPr>
-          <a:xfrm>
-            <a:off x="10724225" y="1887536"/>
-            <a:ext cx="560386" cy="920749"/>
-          </a:xfrm>
-          <a:prstGeom prst="ellipse">
-            <a:avLst/>
-          </a:prstGeom>
-          <a:noFill/>
-          <a:ln w="38100">
-            <a:solidFill>
-              <a:srgbClr val="C00000"/>
-            </a:solidFill>
-          </a:ln>
+          <a:ln w="57150"/>
         </p:spPr>
         <p:style>
           <a:lnRef idx="2">
@@ -3988,10 +5521,10 @@
       </p:sp>
       <p:sp>
         <p:nvSpPr>
-          <p:cNvPr id="13" name="Ellipse 12">
-            <a:extLst>
-              <a:ext uri="{FF2B5EF4-FFF2-40B4-BE49-F238E27FC236}">
-                <a16:creationId xmlns:a16="http://schemas.microsoft.com/office/drawing/2014/main" id="{314FC4C8-904D-4824-8625-FB490C153F86}"/>
+          <p:cNvPr id="4" name="Rechteck 3">
+            <a:extLst>
+              <a:ext uri="{FF2B5EF4-FFF2-40B4-BE49-F238E27FC236}">
+                <a16:creationId xmlns:a16="http://schemas.microsoft.com/office/drawing/2014/main" id="{AE1F4045-EBD3-4305-9E79-2161812131B9}"/>
               </a:ext>
             </a:extLst>
           </p:cNvPr>
@@ -4000,18 +5533,14 @@
         </p:nvSpPr>
         <p:spPr>
           <a:xfrm>
-            <a:off x="9449127" y="3586281"/>
-            <a:ext cx="174234" cy="305017"/>
-          </a:xfrm>
-          <a:prstGeom prst="ellipse">
+            <a:off x="3144175" y="5779363"/>
+            <a:ext cx="3630967" cy="809348"/>
+          </a:xfrm>
+          <a:prstGeom prst="rect">
             <a:avLst/>
           </a:prstGeom>
           <a:noFill/>
-          <a:ln w="38100">
-            <a:solidFill>
-              <a:srgbClr val="C00000"/>
-            </a:solidFill>
-          </a:ln>
+          <a:ln w="57150"/>
         </p:spPr>
         <p:style>
           <a:lnRef idx="2">
@@ -4040,10 +5569,10 @@
       </p:sp>
       <p:sp>
         <p:nvSpPr>
-          <p:cNvPr id="14" name="Ellipse 13">
-            <a:extLst>
-              <a:ext uri="{FF2B5EF4-FFF2-40B4-BE49-F238E27FC236}">
-                <a16:creationId xmlns:a16="http://schemas.microsoft.com/office/drawing/2014/main" id="{89809668-AC30-4E08-A54D-95F300EE1D55}"/>
+          <p:cNvPr id="5" name="Rechteck 4">
+            <a:extLst>
+              <a:ext uri="{FF2B5EF4-FFF2-40B4-BE49-F238E27FC236}">
+                <a16:creationId xmlns:a16="http://schemas.microsoft.com/office/drawing/2014/main" id="{F457C7E3-24A8-48E7-B167-5F789B6C7B0F}"/>
               </a:ext>
             </a:extLst>
           </p:cNvPr>
@@ -4052,18 +5581,14 @@
         </p:nvSpPr>
         <p:spPr>
           <a:xfrm>
-            <a:off x="9499108" y="5461003"/>
-            <a:ext cx="265446" cy="695539"/>
-          </a:xfrm>
-          <a:prstGeom prst="ellipse">
+            <a:off x="3144174" y="3679794"/>
+            <a:ext cx="3630967" cy="1904259"/>
+          </a:xfrm>
+          <a:prstGeom prst="rect">
             <a:avLst/>
           </a:prstGeom>
           <a:noFill/>
-          <a:ln w="38100">
-            <a:solidFill>
-              <a:srgbClr val="C00000"/>
-            </a:solidFill>
-          </a:ln>
+          <a:ln w="57150"/>
         </p:spPr>
         <p:style>
           <a:lnRef idx="2">
@@ -4092,10 +5617,10 @@
       </p:sp>
       <p:sp>
         <p:nvSpPr>
-          <p:cNvPr id="15" name="Textfeld 14">
-            <a:extLst>
-              <a:ext uri="{FF2B5EF4-FFF2-40B4-BE49-F238E27FC236}">
-                <a16:creationId xmlns:a16="http://schemas.microsoft.com/office/drawing/2014/main" id="{7F803564-69E0-4E3D-95E7-2CCA4DD8C83E}"/>
+          <p:cNvPr id="6" name="Textfeld 5">
+            <a:extLst>
+              <a:ext uri="{FF2B5EF4-FFF2-40B4-BE49-F238E27FC236}">
+                <a16:creationId xmlns:a16="http://schemas.microsoft.com/office/drawing/2014/main" id="{86488C87-BDF3-4623-BFB4-BBBED870E48C}"/>
               </a:ext>
             </a:extLst>
           </p:cNvPr>
@@ -4104,8 +5629,8 @@
         </p:nvSpPr>
         <p:spPr>
           <a:xfrm>
-            <a:off x="8488560" y="908000"/>
-            <a:ext cx="1476686" cy="307777"/>
+            <a:off x="1837677" y="1563045"/>
+            <a:ext cx="1191352" cy="584775"/>
           </a:xfrm>
           <a:prstGeom prst="rect">
             <a:avLst/>
@@ -4119,82 +5644,92 @@
           <a:lstStyle/>
           <a:p>
             <a:r>
-              <a:rPr lang="de-CH" sz="1400" dirty="0">
-                <a:latin typeface="Consolas" panose="020B0609020204030204" pitchFamily="49" charset="0"/>
-              </a:rPr>
-              <a:t>1. frame12625</a:t>
-            </a:r>
-          </a:p>
-        </p:txBody>
-      </p:sp>
-      <p:sp>
-        <p:nvSpPr>
-          <p:cNvPr id="16" name="Rechteck 15">
-            <a:extLst>
-              <a:ext uri="{FF2B5EF4-FFF2-40B4-BE49-F238E27FC236}">
-                <a16:creationId xmlns:a16="http://schemas.microsoft.com/office/drawing/2014/main" id="{8E745A8F-C184-42D7-A98A-1102D363CAA1}"/>
-              </a:ext>
-            </a:extLst>
-          </p:cNvPr>
-          <p:cNvSpPr/>
+              <a:rPr lang="de-CH" sz="3200" b="1" dirty="0"/>
+              <a:t>DONE</a:t>
+            </a:r>
+          </a:p>
+        </p:txBody>
+      </p:sp>
+      <p:sp>
+        <p:nvSpPr>
+          <p:cNvPr id="7" name="Textfeld 6">
+            <a:extLst>
+              <a:ext uri="{FF2B5EF4-FFF2-40B4-BE49-F238E27FC236}">
+                <a16:creationId xmlns:a16="http://schemas.microsoft.com/office/drawing/2014/main" id="{5F73AD09-AA5C-451F-BE14-B9422984F65F}"/>
+              </a:ext>
+            </a:extLst>
+          </p:cNvPr>
+          <p:cNvSpPr txBox="1"/>
           <p:nvPr/>
         </p:nvSpPr>
         <p:spPr>
           <a:xfrm>
-            <a:off x="8488560" y="2758822"/>
-            <a:ext cx="6096000" cy="307777"/>
+            <a:off x="978022" y="3757309"/>
+            <a:ext cx="2165080" cy="1077218"/>
           </a:xfrm>
           <a:prstGeom prst="rect">
             <a:avLst/>
           </a:prstGeom>
-        </p:spPr>
-        <p:txBody>
-          <a:bodyPr>
+          <a:noFill/>
+        </p:spPr>
+        <p:txBody>
+          <a:bodyPr wrap="none" rtlCol="0">
             <a:spAutoFit/>
           </a:bodyPr>
           <a:lstStyle/>
           <a:p>
             <a:r>
-              <a:rPr lang="de-CH" sz="1400" dirty="0">
-                <a:latin typeface="Consolas" panose="020B0609020204030204" pitchFamily="49" charset="0"/>
-              </a:rPr>
-              <a:t>2. frame2625</a:t>
-            </a:r>
-          </a:p>
-        </p:txBody>
-      </p:sp>
-      <p:sp>
-        <p:nvSpPr>
-          <p:cNvPr id="17" name="Rechteck 16">
-            <a:extLst>
-              <a:ext uri="{FF2B5EF4-FFF2-40B4-BE49-F238E27FC236}">
-                <a16:creationId xmlns:a16="http://schemas.microsoft.com/office/drawing/2014/main" id="{DD5279EE-8060-44B5-A7A6-0450973F46D6}"/>
-              </a:ext>
-            </a:extLst>
-          </p:cNvPr>
-          <p:cNvSpPr/>
+              <a:rPr lang="de-CH" sz="3200" b="1" dirty="0"/>
+              <a:t>WHY not</a:t>
+            </a:r>
+          </a:p>
+          <a:p>
+            <a:r>
+              <a:rPr lang="de-CH" sz="3200" b="1" dirty="0"/>
+              <a:t>Yellow </a:t>
+            </a:r>
+            <a:r>
+              <a:rPr lang="de-CH" sz="3200" b="1" dirty="0" err="1"/>
+              <a:t>too</a:t>
+            </a:r>
+            <a:r>
+              <a:rPr lang="de-CH" sz="3200" b="1" dirty="0"/>
+              <a:t>?</a:t>
+            </a:r>
+          </a:p>
+        </p:txBody>
+      </p:sp>
+      <p:sp>
+        <p:nvSpPr>
+          <p:cNvPr id="8" name="Textfeld 7">
+            <a:extLst>
+              <a:ext uri="{FF2B5EF4-FFF2-40B4-BE49-F238E27FC236}">
+                <a16:creationId xmlns:a16="http://schemas.microsoft.com/office/drawing/2014/main" id="{CE99A0A7-4394-47F6-923D-EB31165DDC59}"/>
+              </a:ext>
+            </a:extLst>
+          </p:cNvPr>
+          <p:cNvSpPr txBox="1"/>
           <p:nvPr/>
         </p:nvSpPr>
         <p:spPr>
           <a:xfrm>
-            <a:off x="8473429" y="4619584"/>
-            <a:ext cx="1377300" cy="307777"/>
+            <a:off x="974229" y="5859241"/>
+            <a:ext cx="2015295" cy="584775"/>
           </a:xfrm>
           <a:prstGeom prst="rect">
             <a:avLst/>
           </a:prstGeom>
-        </p:spPr>
-        <p:txBody>
-          <a:bodyPr wrap="none">
+          <a:noFill/>
+        </p:spPr>
+        <p:txBody>
+          <a:bodyPr wrap="none" rtlCol="0">
             <a:spAutoFit/>
           </a:bodyPr>
           <a:lstStyle/>
           <a:p>
             <a:r>
-              <a:rPr lang="de-CH" sz="1400" dirty="0">
-                <a:latin typeface="Consolas" panose="020B0609020204030204" pitchFamily="49" charset="0"/>
-              </a:rPr>
-              <a:t>3. frame2750</a:t>
+              <a:rPr lang="de-CH" sz="3200" b="1" dirty="0"/>
+              <a:t>impossible</a:t>
             </a:r>
           </a:p>
         </p:txBody>
@@ -4202,7 +5737,7 @@
     </p:spTree>
     <p:extLst>
       <p:ext uri="{BB962C8B-B14F-4D97-AF65-F5344CB8AC3E}">
-        <p14:creationId xmlns:p14="http://schemas.microsoft.com/office/powerpoint/2010/main" val="3198554476"/>
+        <p14:creationId xmlns:p14="http://schemas.microsoft.com/office/powerpoint/2010/main" val="1246827167"/>
       </p:ext>
     </p:extLst>
   </p:cSld>
